--- a/presentations/ep1000_embedded1/ep1000_embedded1.pptx
+++ b/presentations/ep1000_embedded1/ep1000_embedded1.pptx
@@ -5,7 +5,7 @@
     <p:sldMasterId id="2147483660" r:id="rId1"/>
   </p:sldMasterIdLst>
   <p:notesMasterIdLst>
-    <p:notesMasterId r:id="rId27"/>
+    <p:notesMasterId r:id="rId28"/>
   </p:notesMasterIdLst>
   <p:sldIdLst>
     <p:sldId id="256" r:id="rId2"/>
@@ -32,7 +32,8 @@
     <p:sldId id="279" r:id="rId23"/>
     <p:sldId id="280" r:id="rId24"/>
     <p:sldId id="281" r:id="rId25"/>
-    <p:sldId id="259" r:id="rId26"/>
+    <p:sldId id="283" r:id="rId26"/>
+    <p:sldId id="259" r:id="rId27"/>
   </p:sldIdLst>
   <p:sldSz cx="9144000" cy="6858000" type="screen4x3"/>
   <p:notesSz cx="6858000" cy="9144000"/>
@@ -221,7 +222,7 @@
           <a:p>
             <a:fld id="{2A875741-58CA-43A4-9946-B635E52C5CD8}" type="datetimeFigureOut">
               <a:rPr lang="en-US" smtClean="0"/>
-              <a:t>5/28/2021</a:t>
+              <a:t>5/31/2021</a:t>
             </a:fld>
             <a:endParaRPr lang="en-US"/>
           </a:p>
@@ -631,7 +632,7 @@
           <a:p>
             <a:fld id="{9665C769-D7C3-4E51-9622-EB882B1C6B88}" type="datetime1">
               <a:rPr lang="en-US" smtClean="0"/>
-              <a:t>5/28/2021</a:t>
+              <a:t>5/31/2021</a:t>
             </a:fld>
             <a:endParaRPr lang="en-US"/>
           </a:p>
@@ -825,7 +826,7 @@
           <a:p>
             <a:fld id="{AC2FA8F2-92AD-4DF3-BB80-1A576E4607C5}" type="datetime1">
               <a:rPr lang="en-US" smtClean="0"/>
-              <a:t>5/28/2021</a:t>
+              <a:t>5/31/2021</a:t>
             </a:fld>
             <a:endParaRPr lang="en-US"/>
           </a:p>
@@ -1024,7 +1025,7 @@
           <a:p>
             <a:fld id="{FF161318-0D48-4B52-BC2D-A0EA8E79725D}" type="datetime1">
               <a:rPr lang="en-US" smtClean="0"/>
-              <a:t>5/28/2021</a:t>
+              <a:t>5/31/2021</a:t>
             </a:fld>
             <a:endParaRPr lang="en-US"/>
           </a:p>
@@ -1218,7 +1219,7 @@
           <a:p>
             <a:fld id="{828929F4-2E32-48E9-8E95-ABAA8EAAF6A9}" type="datetime1">
               <a:rPr lang="en-US" smtClean="0"/>
-              <a:t>5/28/2021</a:t>
+              <a:t>5/31/2021</a:t>
             </a:fld>
             <a:endParaRPr lang="en-US"/>
           </a:p>
@@ -1481,7 +1482,7 @@
           <a:p>
             <a:fld id="{4D668969-C21F-428C-9E53-8D921FF4543A}" type="datetime1">
               <a:rPr lang="en-US" smtClean="0"/>
-              <a:t>5/28/2021</a:t>
+              <a:t>5/31/2021</a:t>
             </a:fld>
             <a:endParaRPr lang="en-US"/>
           </a:p>
@@ -1735,7 +1736,7 @@
           <a:p>
             <a:fld id="{01FB22A5-6159-4D69-BFEE-F4892803599C}" type="datetime1">
               <a:rPr lang="en-US" smtClean="0"/>
-              <a:t>5/28/2021</a:t>
+              <a:t>5/31/2021</a:t>
             </a:fld>
             <a:endParaRPr lang="en-US"/>
           </a:p>
@@ -2129,7 +2130,7 @@
           <a:p>
             <a:fld id="{738CC944-9765-440C-9A18-3DC1DA37440E}" type="datetime1">
               <a:rPr lang="en-US" smtClean="0"/>
-              <a:t>5/28/2021</a:t>
+              <a:t>5/31/2021</a:t>
             </a:fld>
             <a:endParaRPr lang="en-US"/>
           </a:p>
@@ -2263,7 +2264,7 @@
           <a:p>
             <a:fld id="{D8661C67-BB8E-4D16-A78D-460AAF94A53C}" type="datetime1">
               <a:rPr lang="en-US" smtClean="0"/>
-              <a:t>5/28/2021</a:t>
+              <a:t>5/31/2021</a:t>
             </a:fld>
             <a:endParaRPr lang="en-US"/>
           </a:p>
@@ -2374,7 +2375,7 @@
           <a:p>
             <a:fld id="{DBBC12E8-4105-456C-A90A-AF2362FB188F}" type="datetime1">
               <a:rPr lang="en-US" smtClean="0"/>
-              <a:t>5/28/2021</a:t>
+              <a:t>5/31/2021</a:t>
             </a:fld>
             <a:endParaRPr lang="en-US"/>
           </a:p>
@@ -2673,7 +2674,7 @@
           <a:p>
             <a:fld id="{11FD4DDA-56B2-4B92-884C-68E9C78E3003}" type="datetime1">
               <a:rPr lang="en-US" smtClean="0"/>
-              <a:t>5/28/2021</a:t>
+              <a:t>5/31/2021</a:t>
             </a:fld>
             <a:endParaRPr lang="en-US"/>
           </a:p>
@@ -2952,7 +2953,7 @@
           <a:p>
             <a:fld id="{750461B4-47C4-4F2C-98A2-225FD39D225C}" type="datetime1">
               <a:rPr lang="en-US" smtClean="0"/>
-              <a:t>5/28/2021</a:t>
+              <a:t>5/31/2021</a:t>
             </a:fld>
             <a:endParaRPr lang="en-US"/>
           </a:p>
@@ -4230,6 +4231,20 @@
             </a:r>
           </a:p>
           <a:p>
+            <a:pPr lvl="2"/>
+            <a:r>
+              <a:rPr lang="en-SG" dirty="0"/>
+              <a:t>Syntax highlighting</a:t>
+            </a:r>
+          </a:p>
+          <a:p>
+            <a:pPr lvl="2"/>
+            <a:r>
+              <a:rPr lang="en-SG" dirty="0"/>
+              <a:t>Auto Assist in typing keywords (CTRL-SPACEBAR)</a:t>
+            </a:r>
+          </a:p>
+          <a:p>
             <a:r>
               <a:rPr lang="en-SG" dirty="0"/>
               <a:t>Arduino programs are called </a:t>
@@ -4529,7 +4544,7 @@
         </p:blipFill>
         <p:spPr>
           <a:xfrm>
-            <a:off x="707849" y="1431133"/>
+            <a:off x="628650" y="1407136"/>
             <a:ext cx="6076773" cy="3695004"/>
           </a:xfrm>
           <a:prstGeom prst="rect">
@@ -5718,8 +5733,9 @@
                 </a:solidFill>
                 <a:effectLst/>
                 <a:latin typeface="Trebuchet MS" panose="020B0603020202020204" pitchFamily="34" charset="0"/>
-              </a:rPr>
-              <a:t>useful library functions</a:t>
+                <a:hlinkClick r:id="rId2"/>
+              </a:rPr>
+              <a:t>useful functions and libraries</a:t>
             </a:r>
             <a:r>
               <a:rPr lang="en-US" sz="2000" b="0" i="0" dirty="0">
@@ -5745,7 +5761,7 @@
                 <a:effectLst/>
                 <a:latin typeface="Trebuchet MS" panose="020B0603020202020204" pitchFamily="34" charset="0"/>
               </a:rPr>
-              <a:t>pinmode</a:t>
+              <a:t>pinMode</a:t>
             </a:r>
             <a:r>
               <a:rPr lang="en-US" sz="1800" b="0" i="0" dirty="0">
@@ -6412,11 +6428,15 @@
           <a:lstStyle/>
           <a:p>
             <a:r>
-              <a:rPr lang="en-SG" dirty="0" err="1"/>
+              <a:rPr lang="en-SG" dirty="0" err="1">
+                <a:hlinkClick r:id="rId2"/>
+              </a:rPr>
               <a:t>pinMode</a:t>
             </a:r>
             <a:r>
-              <a:rPr lang="en-SG" dirty="0"/>
+              <a:rPr lang="en-SG" dirty="0">
+                <a:hlinkClick r:id="rId2"/>
+              </a:rPr>
               <a:t>( pin, MODE )</a:t>
             </a:r>
             <a:endParaRPr lang="en-US" dirty="0"/>
@@ -7306,6 +7326,186 @@
           <p:cNvPr id="2" name="Title 1">
             <a:extLst>
               <a:ext uri="{FF2B5EF4-FFF2-40B4-BE49-F238E27FC236}">
+                <a16:creationId xmlns:a16="http://schemas.microsoft.com/office/drawing/2014/main" id="{EA6539BB-B882-4B86-BE70-98E3910F6654}"/>
+              </a:ext>
+            </a:extLst>
+          </p:cNvPr>
+          <p:cNvSpPr>
+            <a:spLocks noGrp="1"/>
+          </p:cNvSpPr>
+          <p:nvPr>
+            <p:ph type="title"/>
+          </p:nvPr>
+        </p:nvSpPr>
+        <p:spPr/>
+        <p:txBody>
+          <a:bodyPr/>
+          <a:lstStyle/>
+          <a:p>
+            <a:r>
+              <a:rPr lang="en-SG" dirty="0"/>
+              <a:t>Review: This lesson</a:t>
+            </a:r>
+            <a:endParaRPr lang="en-US" dirty="0"/>
+          </a:p>
+        </p:txBody>
+      </p:sp>
+      <p:sp>
+        <p:nvSpPr>
+          <p:cNvPr id="3" name="Content Placeholder 2">
+            <a:extLst>
+              <a:ext uri="{FF2B5EF4-FFF2-40B4-BE49-F238E27FC236}">
+                <a16:creationId xmlns:a16="http://schemas.microsoft.com/office/drawing/2014/main" id="{525DC36E-CE05-442B-A3B9-31F9605E0C4E}"/>
+              </a:ext>
+            </a:extLst>
+          </p:cNvPr>
+          <p:cNvSpPr>
+            <a:spLocks noGrp="1"/>
+          </p:cNvSpPr>
+          <p:nvPr>
+            <p:ph idx="1"/>
+          </p:nvPr>
+        </p:nvSpPr>
+        <p:spPr/>
+        <p:txBody>
+          <a:bodyPr/>
+          <a:lstStyle/>
+          <a:p>
+            <a:r>
+              <a:rPr lang="en-SG" dirty="0"/>
+              <a:t>Review the notes (Introduction to Arduino Systems)</a:t>
+            </a:r>
+          </a:p>
+          <a:p>
+            <a:r>
+              <a:rPr lang="en-SG" dirty="0"/>
+              <a:t>Install Arduino IDE (</a:t>
+            </a:r>
+            <a:r>
+              <a:rPr lang="en-SG" dirty="0" err="1"/>
+              <a:t>ver</a:t>
+            </a:r>
+            <a:r>
+              <a:rPr lang="en-SG" dirty="0"/>
+              <a:t> 2)</a:t>
+            </a:r>
+          </a:p>
+          <a:p>
+            <a:r>
+              <a:rPr lang="en-SG" dirty="0"/>
+              <a:t>Use </a:t>
+            </a:r>
+            <a:r>
+              <a:rPr lang="en-SG" dirty="0" err="1"/>
+              <a:t>TinkerCAD</a:t>
+            </a:r>
+            <a:r>
+              <a:rPr lang="en-SG" dirty="0"/>
+              <a:t>, play with Uno + single LED</a:t>
+            </a:r>
+          </a:p>
+          <a:p>
+            <a:r>
+              <a:rPr lang="en-SG" dirty="0"/>
+              <a:t>Use </a:t>
+            </a:r>
+            <a:r>
+              <a:rPr lang="en-SG" dirty="0" err="1"/>
+              <a:t>TinkerCAD</a:t>
+            </a:r>
+            <a:r>
+              <a:rPr lang="en-SG" dirty="0"/>
+              <a:t>, open Uno CC 7 Seg display</a:t>
+            </a:r>
+          </a:p>
+          <a:p>
+            <a:pPr lvl="1"/>
+            <a:r>
+              <a:rPr lang="en-SG" dirty="0"/>
+              <a:t>Check out codes of digits 0..9</a:t>
+            </a:r>
+          </a:p>
+          <a:p>
+            <a:pPr lvl="1"/>
+            <a:r>
+              <a:rPr lang="en-SG" dirty="0"/>
+              <a:t>Replace switches with UNO</a:t>
+            </a:r>
+          </a:p>
+          <a:p>
+            <a:pPr lvl="1"/>
+            <a:r>
+              <a:rPr lang="en-SG" dirty="0"/>
+              <a:t>Program UNO to display 0..9 continuously, 1 second between digits</a:t>
+            </a:r>
+            <a:endParaRPr lang="en-US" dirty="0"/>
+          </a:p>
+        </p:txBody>
+      </p:sp>
+      <p:sp>
+        <p:nvSpPr>
+          <p:cNvPr id="4" name="Slide Number Placeholder 3">
+            <a:extLst>
+              <a:ext uri="{FF2B5EF4-FFF2-40B4-BE49-F238E27FC236}">
+                <a16:creationId xmlns:a16="http://schemas.microsoft.com/office/drawing/2014/main" id="{3C95CC3C-ED4D-43DD-BFB7-53A197DB80A4}"/>
+              </a:ext>
+            </a:extLst>
+          </p:cNvPr>
+          <p:cNvSpPr>
+            <a:spLocks noGrp="1"/>
+          </p:cNvSpPr>
+          <p:nvPr>
+            <p:ph type="sldNum" sz="quarter" idx="12"/>
+          </p:nvPr>
+        </p:nvSpPr>
+        <p:spPr/>
+        <p:txBody>
+          <a:bodyPr/>
+          <a:lstStyle/>
+          <a:p>
+            <a:fld id="{CAB166B3-F268-4CEF-878A-CFB0D0D505D3}" type="slidenum">
+              <a:rPr lang="en-US" smtClean="0"/>
+              <a:t>25</a:t>
+            </a:fld>
+            <a:endParaRPr lang="en-US"/>
+          </a:p>
+        </p:txBody>
+      </p:sp>
+    </p:spTree>
+    <p:extLst>
+      <p:ext uri="{BB962C8B-B14F-4D97-AF65-F5344CB8AC3E}">
+        <p14:creationId xmlns:p14="http://schemas.microsoft.com/office/powerpoint/2010/main" val="3198389144"/>
+      </p:ext>
+    </p:extLst>
+  </p:cSld>
+  <p:clrMapOvr>
+    <a:masterClrMapping/>
+  </p:clrMapOvr>
+</p:sld>
+</file>
+
+<file path=ppt/slides/slide26.xml><?xml version="1.0" encoding="utf-8"?>
+<p:sld xmlns:a="http://schemas.openxmlformats.org/drawingml/2006/main" xmlns:r="http://schemas.openxmlformats.org/officeDocument/2006/relationships" xmlns:p="http://schemas.openxmlformats.org/presentationml/2006/main">
+  <p:cSld>
+    <p:spTree>
+      <p:nvGrpSpPr>
+        <p:cNvPr id="1" name=""/>
+        <p:cNvGrpSpPr/>
+        <p:nvPr/>
+      </p:nvGrpSpPr>
+      <p:grpSpPr>
+        <a:xfrm>
+          <a:off x="0" y="0"/>
+          <a:ext cx="0" cy="0"/>
+          <a:chOff x="0" y="0"/>
+          <a:chExt cx="0" cy="0"/>
+        </a:xfrm>
+      </p:grpSpPr>
+      <p:sp>
+        <p:nvSpPr>
+          <p:cNvPr id="2" name="Title 1">
+            <a:extLst>
+              <a:ext uri="{FF2B5EF4-FFF2-40B4-BE49-F238E27FC236}">
                 <a16:creationId xmlns:a16="http://schemas.microsoft.com/office/drawing/2014/main" id="{29757EC0-C4C7-4C21-8BBD-162462AD095F}"/>
               </a:ext>
             </a:extLst>
@@ -7460,7 +7660,7 @@
             <a:pPr lvl="1"/>
             <a:r>
               <a:rPr lang="en-SG" dirty="0"/>
-              <a:t>Microcontroller</a:t>
+              <a:t>Microprocessor</a:t>
             </a:r>
           </a:p>
           <a:p>
